--- a/misc/Banner.pptx
+++ b/misc/Banner.pptx
@@ -259,7 +259,7 @@
           <a:p>
             <a:fld id="{78C62885-063C-410E-B496-DDD2B912B3BC}" type="datetimeFigureOut">
               <a:rPr lang="en-US" smtClean="0"/>
-              <a:t>6/11/2024</a:t>
+              <a:t>7/24/2024</a:t>
             </a:fld>
             <a:endParaRPr lang="en-US"/>
           </a:p>
@@ -457,7 +457,7 @@
           <a:p>
             <a:fld id="{78C62885-063C-410E-B496-DDD2B912B3BC}" type="datetimeFigureOut">
               <a:rPr lang="en-US" smtClean="0"/>
-              <a:t>6/11/2024</a:t>
+              <a:t>7/24/2024</a:t>
             </a:fld>
             <a:endParaRPr lang="en-US"/>
           </a:p>
@@ -665,7 +665,7 @@
           <a:p>
             <a:fld id="{78C62885-063C-410E-B496-DDD2B912B3BC}" type="datetimeFigureOut">
               <a:rPr lang="en-US" smtClean="0"/>
-              <a:t>6/11/2024</a:t>
+              <a:t>7/24/2024</a:t>
             </a:fld>
             <a:endParaRPr lang="en-US"/>
           </a:p>
@@ -863,7 +863,7 @@
           <a:p>
             <a:fld id="{78C62885-063C-410E-B496-DDD2B912B3BC}" type="datetimeFigureOut">
               <a:rPr lang="en-US" smtClean="0"/>
-              <a:t>6/11/2024</a:t>
+              <a:t>7/24/2024</a:t>
             </a:fld>
             <a:endParaRPr lang="en-US"/>
           </a:p>
@@ -1138,7 +1138,7 @@
           <a:p>
             <a:fld id="{78C62885-063C-410E-B496-DDD2B912B3BC}" type="datetimeFigureOut">
               <a:rPr lang="en-US" smtClean="0"/>
-              <a:t>6/11/2024</a:t>
+              <a:t>7/24/2024</a:t>
             </a:fld>
             <a:endParaRPr lang="en-US"/>
           </a:p>
@@ -1403,7 +1403,7 @@
           <a:p>
             <a:fld id="{78C62885-063C-410E-B496-DDD2B912B3BC}" type="datetimeFigureOut">
               <a:rPr lang="en-US" smtClean="0"/>
-              <a:t>6/11/2024</a:t>
+              <a:t>7/24/2024</a:t>
             </a:fld>
             <a:endParaRPr lang="en-US"/>
           </a:p>
@@ -1815,7 +1815,7 @@
           <a:p>
             <a:fld id="{78C62885-063C-410E-B496-DDD2B912B3BC}" type="datetimeFigureOut">
               <a:rPr lang="en-US" smtClean="0"/>
-              <a:t>6/11/2024</a:t>
+              <a:t>7/24/2024</a:t>
             </a:fld>
             <a:endParaRPr lang="en-US"/>
           </a:p>
@@ -1956,7 +1956,7 @@
           <a:p>
             <a:fld id="{78C62885-063C-410E-B496-DDD2B912B3BC}" type="datetimeFigureOut">
               <a:rPr lang="en-US" smtClean="0"/>
-              <a:t>6/11/2024</a:t>
+              <a:t>7/24/2024</a:t>
             </a:fld>
             <a:endParaRPr lang="en-US"/>
           </a:p>
@@ -2069,7 +2069,7 @@
           <a:p>
             <a:fld id="{78C62885-063C-410E-B496-DDD2B912B3BC}" type="datetimeFigureOut">
               <a:rPr lang="en-US" smtClean="0"/>
-              <a:t>6/11/2024</a:t>
+              <a:t>7/24/2024</a:t>
             </a:fld>
             <a:endParaRPr lang="en-US"/>
           </a:p>
@@ -2380,7 +2380,7 @@
           <a:p>
             <a:fld id="{78C62885-063C-410E-B496-DDD2B912B3BC}" type="datetimeFigureOut">
               <a:rPr lang="en-US" smtClean="0"/>
-              <a:t>6/11/2024</a:t>
+              <a:t>7/24/2024</a:t>
             </a:fld>
             <a:endParaRPr lang="en-US"/>
           </a:p>
@@ -2668,7 +2668,7 @@
           <a:p>
             <a:fld id="{78C62885-063C-410E-B496-DDD2B912B3BC}" type="datetimeFigureOut">
               <a:rPr lang="en-US" smtClean="0"/>
-              <a:t>6/11/2024</a:t>
+              <a:t>7/24/2024</a:t>
             </a:fld>
             <a:endParaRPr lang="en-US"/>
           </a:p>
@@ -2909,7 +2909,7 @@
           <a:p>
             <a:fld id="{78C62885-063C-410E-B496-DDD2B912B3BC}" type="datetimeFigureOut">
               <a:rPr lang="en-US" smtClean="0"/>
-              <a:t>6/11/2024</a:t>
+              <a:t>7/24/2024</a:t>
             </a:fld>
             <a:endParaRPr lang="en-US"/>
           </a:p>
@@ -3397,8 +3397,96 @@
         </p:blipFill>
         <p:spPr>
           <a:xfrm>
-            <a:off x="2264212" y="1284063"/>
+            <a:off x="2304078" y="1284063"/>
             <a:ext cx="7321931" cy="914479"/>
+          </a:xfrm>
+          <a:prstGeom prst="rect">
+            <a:avLst/>
+          </a:prstGeom>
+        </p:spPr>
+      </p:pic>
+      <p:sp>
+        <p:nvSpPr>
+          <p:cNvPr id="5" name="Rectangle 4">
+            <a:extLst>
+              <a:ext uri="{FF2B5EF4-FFF2-40B4-BE49-F238E27FC236}">
+                <a16:creationId xmlns:a16="http://schemas.microsoft.com/office/drawing/2014/main" id="{CE84C5C8-D95F-FEB4-F75E-A1CF0E107D34}"/>
+              </a:ext>
+            </a:extLst>
+          </p:cNvPr>
+          <p:cNvSpPr/>
+          <p:nvPr/>
+        </p:nvSpPr>
+        <p:spPr>
+          <a:xfrm>
+            <a:off x="5604165" y="1284063"/>
+            <a:ext cx="2951018" cy="914479"/>
+          </a:xfrm>
+          <a:prstGeom prst="rect">
+            <a:avLst/>
+          </a:prstGeom>
+          <a:solidFill>
+            <a:srgbClr val="FFFFFF"/>
+          </a:solidFill>
+          <a:ln>
+            <a:noFill/>
+          </a:ln>
+        </p:spPr>
+        <p:style>
+          <a:lnRef idx="2">
+            <a:schemeClr val="accent1">
+              <a:shade val="15000"/>
+            </a:schemeClr>
+          </a:lnRef>
+          <a:fillRef idx="1">
+            <a:schemeClr val="accent1"/>
+          </a:fillRef>
+          <a:effectRef idx="0">
+            <a:schemeClr val="accent1"/>
+          </a:effectRef>
+          <a:fontRef idx="minor">
+            <a:schemeClr val="lt1"/>
+          </a:fontRef>
+        </p:style>
+        <p:txBody>
+          <a:bodyPr rtlCol="0" anchor="ctr"/>
+          <a:lstStyle/>
+          <a:p>
+            <a:pPr algn="ctr"/>
+            <a:endParaRPr lang="en-US"/>
+          </a:p>
+        </p:txBody>
+      </p:sp>
+      <p:pic>
+        <p:nvPicPr>
+          <p:cNvPr id="3" name="Picture 2" descr="A black and grey logo&#10;&#10;Description automatically generated">
+            <a:extLst>
+              <a:ext uri="{FF2B5EF4-FFF2-40B4-BE49-F238E27FC236}">
+                <a16:creationId xmlns:a16="http://schemas.microsoft.com/office/drawing/2014/main" id="{88BF3DD3-289A-5132-4C55-ED7DFA6466C6}"/>
+              </a:ext>
+            </a:extLst>
+          </p:cNvPr>
+          <p:cNvPicPr>
+            <a:picLocks noChangeAspect="1"/>
+          </p:cNvPicPr>
+          <p:nvPr/>
+        </p:nvPicPr>
+        <p:blipFill>
+          <a:blip r:embed="rId3">
+            <a:extLst>
+              <a:ext uri="{28A0092B-C50C-407E-A947-70E740481C1C}">
+                <a14:useLocalDpi xmlns:a14="http://schemas.microsoft.com/office/drawing/2010/main" val="0"/>
+              </a:ext>
+            </a:extLst>
+          </a:blip>
+          <a:stretch>
+            <a:fillRect/>
+          </a:stretch>
+        </p:blipFill>
+        <p:spPr>
+          <a:xfrm>
+            <a:off x="5419772" y="1371476"/>
+            <a:ext cx="3319804" cy="739652"/>
           </a:xfrm>
           <a:prstGeom prst="rect">
             <a:avLst/>
@@ -3407,10 +3495,10 @@
       </p:pic>
       <p:pic>
         <p:nvPicPr>
-          <p:cNvPr id="27" name="Picture 26">
-            <a:extLst>
-              <a:ext uri="{FF2B5EF4-FFF2-40B4-BE49-F238E27FC236}">
-                <a16:creationId xmlns:a16="http://schemas.microsoft.com/office/drawing/2014/main" id="{896550AB-9433-3EB3-D5B1-4F9CC14AE1E9}"/>
+          <p:cNvPr id="14" name="Picture 13">
+            <a:extLst>
+              <a:ext uri="{FF2B5EF4-FFF2-40B4-BE49-F238E27FC236}">
+                <a16:creationId xmlns:a16="http://schemas.microsoft.com/office/drawing/2014/main" id="{E1B8AA4E-FB96-B78F-6FBD-E52FFFC005CF}"/>
               </a:ext>
             </a:extLst>
           </p:cNvPr>
@@ -3420,14 +3508,14 @@
           <p:nvPr/>
         </p:nvPicPr>
         <p:blipFill>
-          <a:blip r:embed="rId3"/>
+          <a:blip r:embed="rId4"/>
           <a:stretch>
             <a:fillRect/>
           </a:stretch>
         </p:blipFill>
         <p:spPr>
           <a:xfrm>
-            <a:off x="659644" y="3429000"/>
+            <a:off x="1223567" y="2987759"/>
             <a:ext cx="7943776" cy="1585097"/>
           </a:xfrm>
           <a:prstGeom prst="rect">
